--- a/slides/4_DistanceAndSimilarityMeasures.pptx
+++ b/slides/4_DistanceAndSimilarityMeasures.pptx
@@ -7402,15 +7402,7 @@
             <a:pPr algn="ctr"/>
             <a:r>
               <a:rPr lang="en-US" sz="1100" dirty="0"/>
-              <a:t>Copyright 2021, 2022, 2023, </a:t>
-            </a:r>
-            <a:r>
-              <a:rPr lang="en-US" sz="1100"/>
-              <a:t>2024, 2025 </a:t>
-            </a:r>
-            <a:r>
-              <a:rPr lang="en-US" sz="1100" dirty="0"/>
-              <a:t>Stephen F Elston. All rights reserved</a:t>
+              <a:t>Copyright 2021, 2022, 2023, 2024, 2025 Stephen F Elston. All rights reserved</a:t>
             </a:r>
             <a:r>
               <a:rPr lang="en-US" dirty="0"/>
@@ -15174,8 +15166,21 @@
                   <a:rPr lang="en-US" dirty="0">
                     <a:latin typeface="+mn-lt"/>
                   </a:rPr>
-                  <a:t>				edit distance = 3</a:t>
+                  <a:t>				edit distance </a:t>
                 </a:r>
+                <a14:m>
+                  <m:oMath xmlns:m="http://schemas.openxmlformats.org/officeDocument/2006/math">
+                    <m:r>
+                      <a:rPr lang="en-US" b="0" i="1" smtClean="0">
+                        <a:latin typeface="Cambria Math" panose="02040503050406030204" pitchFamily="18" charset="0"/>
+                      </a:rPr>
+                      <m:t>=3+3=6</m:t>
+                    </m:r>
+                  </m:oMath>
+                </a14:m>
+                <a:endParaRPr lang="en-US" dirty="0">
+                  <a:latin typeface="+mn-lt"/>
+                </a:endParaRPr>
               </a:p>
               <a:p>
                 <a:r>
@@ -15286,462 +15291,6 @@
   <p:clrMapOvr>
     <a:masterClrMapping/>
   </p:clrMapOvr>
-  <p:timing>
-    <p:tnLst>
-      <p:par>
-        <p:cTn id="1" dur="indefinite" restart="never" nodeType="tmRoot">
-          <p:childTnLst>
-            <p:seq concurrent="1" nextAc="seek">
-              <p:cTn id="2" dur="indefinite" nodeType="mainSeq">
-                <p:childTnLst>
-                  <p:par>
-                    <p:cTn id="3" fill="hold">
-                      <p:stCondLst>
-                        <p:cond delay="indefinite"/>
-                      </p:stCondLst>
-                      <p:childTnLst>
-                        <p:par>
-                          <p:cTn id="4" fill="hold">
-                            <p:stCondLst>
-                              <p:cond delay="0"/>
-                            </p:stCondLst>
-                            <p:childTnLst>
-                              <p:par>
-                                <p:cTn id="5" presetID="1" presetClass="entr" presetSubtype="0" fill="hold" nodeType="clickEffect">
-                                  <p:stCondLst>
-                                    <p:cond delay="0"/>
-                                  </p:stCondLst>
-                                  <p:childTnLst>
-                                    <p:set>
-                                      <p:cBhvr>
-                                        <p:cTn id="6" dur="1" fill="hold">
-                                          <p:stCondLst>
-                                            <p:cond delay="0"/>
-                                          </p:stCondLst>
-                                        </p:cTn>
-                                        <p:tgtEl>
-                                          <p:spTgt spid="3">
-                                            <p:txEl>
-                                              <p:pRg st="1" end="1"/>
-                                            </p:txEl>
-                                          </p:spTgt>
-                                        </p:tgtEl>
-                                        <p:attrNameLst>
-                                          <p:attrName>style.visibility</p:attrName>
-                                        </p:attrNameLst>
-                                      </p:cBhvr>
-                                      <p:to>
-                                        <p:strVal val="visible"/>
-                                      </p:to>
-                                    </p:set>
-                                  </p:childTnLst>
-                                </p:cTn>
-                              </p:par>
-                              <p:par>
-                                <p:cTn id="7" presetID="1" presetClass="entr" presetSubtype="0" fill="hold" nodeType="withEffect">
-                                  <p:stCondLst>
-                                    <p:cond delay="0"/>
-                                  </p:stCondLst>
-                                  <p:childTnLst>
-                                    <p:set>
-                                      <p:cBhvr>
-                                        <p:cTn id="8" dur="1" fill="hold">
-                                          <p:stCondLst>
-                                            <p:cond delay="0"/>
-                                          </p:stCondLst>
-                                        </p:cTn>
-                                        <p:tgtEl>
-                                          <p:spTgt spid="3">
-                                            <p:txEl>
-                                              <p:pRg st="2" end="2"/>
-                                            </p:txEl>
-                                          </p:spTgt>
-                                        </p:tgtEl>
-                                        <p:attrNameLst>
-                                          <p:attrName>style.visibility</p:attrName>
-                                        </p:attrNameLst>
-                                      </p:cBhvr>
-                                      <p:to>
-                                        <p:strVal val="visible"/>
-                                      </p:to>
-                                    </p:set>
-                                  </p:childTnLst>
-                                </p:cTn>
-                              </p:par>
-                              <p:par>
-                                <p:cTn id="9" presetID="1" presetClass="entr" presetSubtype="0" fill="hold" nodeType="withEffect">
-                                  <p:stCondLst>
-                                    <p:cond delay="0"/>
-                                  </p:stCondLst>
-                                  <p:childTnLst>
-                                    <p:set>
-                                      <p:cBhvr>
-                                        <p:cTn id="10" dur="1" fill="hold">
-                                          <p:stCondLst>
-                                            <p:cond delay="0"/>
-                                          </p:stCondLst>
-                                        </p:cTn>
-                                        <p:tgtEl>
-                                          <p:spTgt spid="3">
-                                            <p:txEl>
-                                              <p:pRg st="3" end="3"/>
-                                            </p:txEl>
-                                          </p:spTgt>
-                                        </p:tgtEl>
-                                        <p:attrNameLst>
-                                          <p:attrName>style.visibility</p:attrName>
-                                        </p:attrNameLst>
-                                      </p:cBhvr>
-                                      <p:to>
-                                        <p:strVal val="visible"/>
-                                      </p:to>
-                                    </p:set>
-                                  </p:childTnLst>
-                                </p:cTn>
-                              </p:par>
-                            </p:childTnLst>
-                          </p:cTn>
-                        </p:par>
-                      </p:childTnLst>
-                    </p:cTn>
-                  </p:par>
-                  <p:par>
-                    <p:cTn id="11" fill="hold">
-                      <p:stCondLst>
-                        <p:cond delay="indefinite"/>
-                      </p:stCondLst>
-                      <p:childTnLst>
-                        <p:par>
-                          <p:cTn id="12" fill="hold">
-                            <p:stCondLst>
-                              <p:cond delay="0"/>
-                            </p:stCondLst>
-                            <p:childTnLst>
-                              <p:par>
-                                <p:cTn id="13" presetID="1" presetClass="entr" presetSubtype="0" fill="hold" nodeType="clickEffect">
-                                  <p:stCondLst>
-                                    <p:cond delay="0"/>
-                                  </p:stCondLst>
-                                  <p:childTnLst>
-                                    <p:set>
-                                      <p:cBhvr>
-                                        <p:cTn id="14" dur="1" fill="hold">
-                                          <p:stCondLst>
-                                            <p:cond delay="0"/>
-                                          </p:stCondLst>
-                                        </p:cTn>
-                                        <p:tgtEl>
-                                          <p:spTgt spid="3">
-                                            <p:txEl>
-                                              <p:pRg st="4" end="4"/>
-                                            </p:txEl>
-                                          </p:spTgt>
-                                        </p:tgtEl>
-                                        <p:attrNameLst>
-                                          <p:attrName>style.visibility</p:attrName>
-                                        </p:attrNameLst>
-                                      </p:cBhvr>
-                                      <p:to>
-                                        <p:strVal val="visible"/>
-                                      </p:to>
-                                    </p:set>
-                                  </p:childTnLst>
-                                </p:cTn>
-                              </p:par>
-                              <p:par>
-                                <p:cTn id="15" presetID="1" presetClass="entr" presetSubtype="0" fill="hold" nodeType="withEffect">
-                                  <p:stCondLst>
-                                    <p:cond delay="0"/>
-                                  </p:stCondLst>
-                                  <p:childTnLst>
-                                    <p:set>
-                                      <p:cBhvr>
-                                        <p:cTn id="16" dur="1" fill="hold">
-                                          <p:stCondLst>
-                                            <p:cond delay="0"/>
-                                          </p:stCondLst>
-                                        </p:cTn>
-                                        <p:tgtEl>
-                                          <p:spTgt spid="3">
-                                            <p:txEl>
-                                              <p:pRg st="5" end="5"/>
-                                            </p:txEl>
-                                          </p:spTgt>
-                                        </p:tgtEl>
-                                        <p:attrNameLst>
-                                          <p:attrName>style.visibility</p:attrName>
-                                        </p:attrNameLst>
-                                      </p:cBhvr>
-                                      <p:to>
-                                        <p:strVal val="visible"/>
-                                      </p:to>
-                                    </p:set>
-                                  </p:childTnLst>
-                                </p:cTn>
-                              </p:par>
-                              <p:par>
-                                <p:cTn id="17" presetID="1" presetClass="entr" presetSubtype="0" fill="hold" nodeType="withEffect">
-                                  <p:stCondLst>
-                                    <p:cond delay="0"/>
-                                  </p:stCondLst>
-                                  <p:childTnLst>
-                                    <p:set>
-                                      <p:cBhvr>
-                                        <p:cTn id="18" dur="1" fill="hold">
-                                          <p:stCondLst>
-                                            <p:cond delay="0"/>
-                                          </p:stCondLst>
-                                        </p:cTn>
-                                        <p:tgtEl>
-                                          <p:spTgt spid="3">
-                                            <p:txEl>
-                                              <p:pRg st="6" end="6"/>
-                                            </p:txEl>
-                                          </p:spTgt>
-                                        </p:tgtEl>
-                                        <p:attrNameLst>
-                                          <p:attrName>style.visibility</p:attrName>
-                                        </p:attrNameLst>
-                                      </p:cBhvr>
-                                      <p:to>
-                                        <p:strVal val="visible"/>
-                                      </p:to>
-                                    </p:set>
-                                  </p:childTnLst>
-                                </p:cTn>
-                              </p:par>
-                              <p:par>
-                                <p:cTn id="19" presetID="1" presetClass="entr" presetSubtype="0" fill="hold" nodeType="withEffect">
-                                  <p:stCondLst>
-                                    <p:cond delay="0"/>
-                                  </p:stCondLst>
-                                  <p:childTnLst>
-                                    <p:set>
-                                      <p:cBhvr>
-                                        <p:cTn id="20" dur="1" fill="hold">
-                                          <p:stCondLst>
-                                            <p:cond delay="0"/>
-                                          </p:stCondLst>
-                                        </p:cTn>
-                                        <p:tgtEl>
-                                          <p:spTgt spid="3">
-                                            <p:txEl>
-                                              <p:pRg st="7" end="7"/>
-                                            </p:txEl>
-                                          </p:spTgt>
-                                        </p:tgtEl>
-                                        <p:attrNameLst>
-                                          <p:attrName>style.visibility</p:attrName>
-                                        </p:attrNameLst>
-                                      </p:cBhvr>
-                                      <p:to>
-                                        <p:strVal val="visible"/>
-                                      </p:to>
-                                    </p:set>
-                                  </p:childTnLst>
-                                </p:cTn>
-                              </p:par>
-                            </p:childTnLst>
-                          </p:cTn>
-                        </p:par>
-                      </p:childTnLst>
-                    </p:cTn>
-                  </p:par>
-                  <p:par>
-                    <p:cTn id="21" fill="hold">
-                      <p:stCondLst>
-                        <p:cond delay="indefinite"/>
-                      </p:stCondLst>
-                      <p:childTnLst>
-                        <p:par>
-                          <p:cTn id="22" fill="hold">
-                            <p:stCondLst>
-                              <p:cond delay="0"/>
-                            </p:stCondLst>
-                            <p:childTnLst>
-                              <p:par>
-                                <p:cTn id="23" presetID="1" presetClass="entr" presetSubtype="0" fill="hold" nodeType="clickEffect">
-                                  <p:stCondLst>
-                                    <p:cond delay="0"/>
-                                  </p:stCondLst>
-                                  <p:childTnLst>
-                                    <p:set>
-                                      <p:cBhvr>
-                                        <p:cTn id="24" dur="1" fill="hold">
-                                          <p:stCondLst>
-                                            <p:cond delay="0"/>
-                                          </p:stCondLst>
-                                        </p:cTn>
-                                        <p:tgtEl>
-                                          <p:spTgt spid="3">
-                                            <p:txEl>
-                                              <p:pRg st="8" end="8"/>
-                                            </p:txEl>
-                                          </p:spTgt>
-                                        </p:tgtEl>
-                                        <p:attrNameLst>
-                                          <p:attrName>style.visibility</p:attrName>
-                                        </p:attrNameLst>
-                                      </p:cBhvr>
-                                      <p:to>
-                                        <p:strVal val="visible"/>
-                                      </p:to>
-                                    </p:set>
-                                  </p:childTnLst>
-                                </p:cTn>
-                              </p:par>
-                              <p:par>
-                                <p:cTn id="25" presetID="1" presetClass="entr" presetSubtype="0" fill="hold" nodeType="withEffect">
-                                  <p:stCondLst>
-                                    <p:cond delay="0"/>
-                                  </p:stCondLst>
-                                  <p:childTnLst>
-                                    <p:set>
-                                      <p:cBhvr>
-                                        <p:cTn id="26" dur="1" fill="hold">
-                                          <p:stCondLst>
-                                            <p:cond delay="0"/>
-                                          </p:stCondLst>
-                                        </p:cTn>
-                                        <p:tgtEl>
-                                          <p:spTgt spid="3">
-                                            <p:txEl>
-                                              <p:pRg st="9" end="9"/>
-                                            </p:txEl>
-                                          </p:spTgt>
-                                        </p:tgtEl>
-                                        <p:attrNameLst>
-                                          <p:attrName>style.visibility</p:attrName>
-                                        </p:attrNameLst>
-                                      </p:cBhvr>
-                                      <p:to>
-                                        <p:strVal val="visible"/>
-                                      </p:to>
-                                    </p:set>
-                                  </p:childTnLst>
-                                </p:cTn>
-                              </p:par>
-                              <p:par>
-                                <p:cTn id="27" presetID="1" presetClass="entr" presetSubtype="0" fill="hold" nodeType="withEffect">
-                                  <p:stCondLst>
-                                    <p:cond delay="0"/>
-                                  </p:stCondLst>
-                                  <p:childTnLst>
-                                    <p:set>
-                                      <p:cBhvr>
-                                        <p:cTn id="28" dur="1" fill="hold">
-                                          <p:stCondLst>
-                                            <p:cond delay="0"/>
-                                          </p:stCondLst>
-                                        </p:cTn>
-                                        <p:tgtEl>
-                                          <p:spTgt spid="3">
-                                            <p:txEl>
-                                              <p:pRg st="10" end="10"/>
-                                            </p:txEl>
-                                          </p:spTgt>
-                                        </p:tgtEl>
-                                        <p:attrNameLst>
-                                          <p:attrName>style.visibility</p:attrName>
-                                        </p:attrNameLst>
-                                      </p:cBhvr>
-                                      <p:to>
-                                        <p:strVal val="visible"/>
-                                      </p:to>
-                                    </p:set>
-                                  </p:childTnLst>
-                                </p:cTn>
-                              </p:par>
-                              <p:par>
-                                <p:cTn id="29" presetID="1" presetClass="entr" presetSubtype="0" fill="hold" nodeType="withEffect">
-                                  <p:stCondLst>
-                                    <p:cond delay="0"/>
-                                  </p:stCondLst>
-                                  <p:childTnLst>
-                                    <p:set>
-                                      <p:cBhvr>
-                                        <p:cTn id="30" dur="1" fill="hold">
-                                          <p:stCondLst>
-                                            <p:cond delay="0"/>
-                                          </p:stCondLst>
-                                        </p:cTn>
-                                        <p:tgtEl>
-                                          <p:spTgt spid="3">
-                                            <p:txEl>
-                                              <p:pRg st="11" end="11"/>
-                                            </p:txEl>
-                                          </p:spTgt>
-                                        </p:tgtEl>
-                                        <p:attrNameLst>
-                                          <p:attrName>style.visibility</p:attrName>
-                                        </p:attrNameLst>
-                                      </p:cBhvr>
-                                      <p:to>
-                                        <p:strVal val="visible"/>
-                                      </p:to>
-                                    </p:set>
-                                  </p:childTnLst>
-                                </p:cTn>
-                              </p:par>
-                              <p:par>
-                                <p:cTn id="31" presetID="1" presetClass="entr" presetSubtype="0" fill="hold" nodeType="withEffect">
-                                  <p:stCondLst>
-                                    <p:cond delay="0"/>
-                                  </p:stCondLst>
-                                  <p:childTnLst>
-                                    <p:set>
-                                      <p:cBhvr>
-                                        <p:cTn id="32" dur="1" fill="hold">
-                                          <p:stCondLst>
-                                            <p:cond delay="0"/>
-                                          </p:stCondLst>
-                                        </p:cTn>
-                                        <p:tgtEl>
-                                          <p:spTgt spid="3">
-                                            <p:txEl>
-                                              <p:pRg st="12" end="12"/>
-                                            </p:txEl>
-                                          </p:spTgt>
-                                        </p:tgtEl>
-                                        <p:attrNameLst>
-                                          <p:attrName>style.visibility</p:attrName>
-                                        </p:attrNameLst>
-                                      </p:cBhvr>
-                                      <p:to>
-                                        <p:strVal val="visible"/>
-                                      </p:to>
-                                    </p:set>
-                                  </p:childTnLst>
-                                </p:cTn>
-                              </p:par>
-                            </p:childTnLst>
-                          </p:cTn>
-                        </p:par>
-                      </p:childTnLst>
-                    </p:cTn>
-                  </p:par>
-                </p:childTnLst>
-              </p:cTn>
-              <p:prevCondLst>
-                <p:cond evt="onPrev" delay="0">
-                  <p:tgtEl>
-                    <p:sldTgt/>
-                  </p:tgtEl>
-                </p:cond>
-              </p:prevCondLst>
-              <p:nextCondLst>
-                <p:cond evt="onNext" delay="0">
-                  <p:tgtEl>
-                    <p:sldTgt/>
-                  </p:tgtEl>
-                </p:cond>
-              </p:nextCondLst>
-            </p:seq>
-          </p:childTnLst>
-        </p:cTn>
-      </p:par>
-    </p:tnLst>
-  </p:timing>
 </p:sld>
 </file>
 

--- a/slides/4_DistanceAndSimilarityMeasures.pptx
+++ b/slides/4_DistanceAndSimilarityMeasures.pptx
@@ -236,7 +236,7 @@
           <a:p>
             <a:fld id="{8DD534D1-5B48-49E9-A024-C5EAE54CADD0}" type="datetimeFigureOut">
               <a:rPr lang="en-US" smtClean="0"/>
-              <a:t>2/19/2025</a:t>
+              <a:t>6/12/2025</a:t>
             </a:fld>
             <a:endParaRPr lang="en-US"/>
           </a:p>
@@ -3989,7 +3989,7 @@
           <a:p>
             <a:fld id="{9DC183D5-83EE-4A48-BB2E-1FC30CD8E44A}" type="datetimeFigureOut">
               <a:rPr lang="en-US" smtClean="0"/>
-              <a:t>2/19/2025</a:t>
+              <a:t>6/12/2025</a:t>
             </a:fld>
             <a:endParaRPr lang="en-US"/>
           </a:p>
@@ -4187,7 +4187,7 @@
           <a:p>
             <a:fld id="{9DC183D5-83EE-4A48-BB2E-1FC30CD8E44A}" type="datetimeFigureOut">
               <a:rPr lang="en-US" smtClean="0"/>
-              <a:t>2/19/2025</a:t>
+              <a:t>6/12/2025</a:t>
             </a:fld>
             <a:endParaRPr lang="en-US"/>
           </a:p>
@@ -4395,7 +4395,7 @@
           <a:p>
             <a:fld id="{9DC183D5-83EE-4A48-BB2E-1FC30CD8E44A}" type="datetimeFigureOut">
               <a:rPr lang="en-US" smtClean="0"/>
-              <a:t>2/19/2025</a:t>
+              <a:t>6/12/2025</a:t>
             </a:fld>
             <a:endParaRPr lang="en-US"/>
           </a:p>
@@ -4765,7 +4765,7 @@
           <a:p>
             <a:fld id="{9DC183D5-83EE-4A48-BB2E-1FC30CD8E44A}" type="datetimeFigureOut">
               <a:rPr lang="en-US" smtClean="0"/>
-              <a:t>2/19/2025</a:t>
+              <a:t>6/12/2025</a:t>
             </a:fld>
             <a:endParaRPr lang="en-US"/>
           </a:p>
@@ -5040,7 +5040,7 @@
           <a:p>
             <a:fld id="{9DC183D5-83EE-4A48-BB2E-1FC30CD8E44A}" type="datetimeFigureOut">
               <a:rPr lang="en-US" smtClean="0"/>
-              <a:t>2/19/2025</a:t>
+              <a:t>6/12/2025</a:t>
             </a:fld>
             <a:endParaRPr lang="en-US"/>
           </a:p>
@@ -5305,7 +5305,7 @@
           <a:p>
             <a:fld id="{9DC183D5-83EE-4A48-BB2E-1FC30CD8E44A}" type="datetimeFigureOut">
               <a:rPr lang="en-US" smtClean="0"/>
-              <a:t>2/19/2025</a:t>
+              <a:t>6/12/2025</a:t>
             </a:fld>
             <a:endParaRPr lang="en-US"/>
           </a:p>
@@ -5717,7 +5717,7 @@
           <a:p>
             <a:fld id="{9DC183D5-83EE-4A48-BB2E-1FC30CD8E44A}" type="datetimeFigureOut">
               <a:rPr lang="en-US" smtClean="0"/>
-              <a:t>2/19/2025</a:t>
+              <a:t>6/12/2025</a:t>
             </a:fld>
             <a:endParaRPr lang="en-US"/>
           </a:p>
@@ -5858,7 +5858,7 @@
           <a:p>
             <a:fld id="{9DC183D5-83EE-4A48-BB2E-1FC30CD8E44A}" type="datetimeFigureOut">
               <a:rPr lang="en-US" smtClean="0"/>
-              <a:t>2/19/2025</a:t>
+              <a:t>6/12/2025</a:t>
             </a:fld>
             <a:endParaRPr lang="en-US"/>
           </a:p>
@@ -5971,7 +5971,7 @@
           <a:p>
             <a:fld id="{9DC183D5-83EE-4A48-BB2E-1FC30CD8E44A}" type="datetimeFigureOut">
               <a:rPr lang="en-US" smtClean="0"/>
-              <a:t>2/19/2025</a:t>
+              <a:t>6/12/2025</a:t>
             </a:fld>
             <a:endParaRPr lang="en-US"/>
           </a:p>
@@ -6282,7 +6282,7 @@
           <a:p>
             <a:fld id="{9DC183D5-83EE-4A48-BB2E-1FC30CD8E44A}" type="datetimeFigureOut">
               <a:rPr lang="en-US" smtClean="0"/>
-              <a:t>2/19/2025</a:t>
+              <a:t>6/12/2025</a:t>
             </a:fld>
             <a:endParaRPr lang="en-US"/>
           </a:p>
@@ -6570,7 +6570,7 @@
           <a:p>
             <a:fld id="{9DC183D5-83EE-4A48-BB2E-1FC30CD8E44A}" type="datetimeFigureOut">
               <a:rPr lang="en-US" smtClean="0"/>
-              <a:t>2/19/2025</a:t>
+              <a:t>6/12/2025</a:t>
             </a:fld>
             <a:endParaRPr lang="en-US"/>
           </a:p>
@@ -6811,7 +6811,7 @@
           <a:p>
             <a:fld id="{9DC183D5-83EE-4A48-BB2E-1FC30CD8E44A}" type="datetimeFigureOut">
               <a:rPr lang="en-US" smtClean="0"/>
-              <a:t>2/19/2025</a:t>
+              <a:t>6/12/2025</a:t>
             </a:fld>
             <a:endParaRPr lang="en-US"/>
           </a:p>
@@ -7470,8 +7470,8 @@
           </a:p>
         </p:txBody>
       </p:sp>
-      <mc:AlternateContent xmlns:mc="http://schemas.openxmlformats.org/markup-compatibility/2006" xmlns:a14="http://schemas.microsoft.com/office/drawing/2010/main">
-        <mc:Choice Requires="a14">
+      <mc:AlternateContent xmlns:mc="http://schemas.openxmlformats.org/markup-compatibility/2006">
+        <mc:Choice xmlns:a14="http://schemas.microsoft.com/office/drawing/2010/main" Requires="a14">
           <p:sp>
             <p:nvSpPr>
               <p:cNvPr id="3" name="Content Placeholder 2"/>
@@ -7509,7 +7509,7 @@
                   <a:rPr lang="en-US" b="1" dirty="0">
                     <a:latin typeface="+mn-lt"/>
                   </a:rPr>
-                  <a:t>Weighted Euclidian distance, (L2</a:t>
+                  <a:t>Euclidian distance, (L2</a:t>
                 </a:r>
                 <a:r>
                   <a:rPr lang="en-US" dirty="0">
@@ -7655,31 +7655,12 @@
                                   </m:r>
                                 </m:sup>
                                 <m:e>
-                                  <m:sSub>
-                                    <m:sSubPr>
-                                      <m:ctrlPr>
-                                        <a:rPr lang="en-US" i="1">
-                                          <a:latin typeface="Cambria Math" panose="02040503050406030204" pitchFamily="18" charset="0"/>
-                                        </a:rPr>
-                                      </m:ctrlPr>
-                                    </m:sSubPr>
-                                    <m:e>
-                                      <m:r>
-                                        <a:rPr lang="en-US" i="1">
-                                          <a:latin typeface="Cambria Math" panose="02040503050406030204" pitchFamily="18" charset="0"/>
-                                        </a:rPr>
-                                        <m:t>𝑤</m:t>
-                                      </m:r>
-                                    </m:e>
-                                    <m:sub>
-                                      <m:r>
-                                        <a:rPr lang="en-US" i="1">
-                                          <a:latin typeface="Cambria Math" panose="02040503050406030204" pitchFamily="18" charset="0"/>
-                                        </a:rPr>
-                                        <m:t>𝑖</m:t>
-                                      </m:r>
-                                    </m:sub>
-                                  </m:sSub>
+                                  <m:r>
+                                    <a:rPr lang="en-US" i="1" smtClean="0">
+                                      <a:latin typeface="Cambria Math" panose="02040503050406030204" pitchFamily="18" charset="0"/>
+                                    </a:rPr>
+                                    <m:t> </m:t>
+                                  </m:r>
                                   <m:r>
                                     <a:rPr lang="en-US" i="1">
                                       <a:latin typeface="Cambria Math" panose="02040503050406030204" pitchFamily="18" charset="0"/>
@@ -7846,7 +7827,7 @@
                   <a:rPr lang="en-US" b="1" dirty="0">
                     <a:latin typeface="+mn-lt"/>
                   </a:rPr>
-                  <a:t>Weighted absolute distance</a:t>
+                  <a:t>Absolute distance</a:t>
                 </a:r>
                 <a:r>
                   <a:rPr lang="en-US" dirty="0">
@@ -7981,31 +7962,6 @@
                           </m:r>
                         </m:sup>
                         <m:e>
-                          <m:sSub>
-                            <m:sSubPr>
-                              <m:ctrlPr>
-                                <a:rPr lang="en-US" i="1" smtClean="0">
-                                  <a:latin typeface="Cambria Math" panose="02040503050406030204" pitchFamily="18" charset="0"/>
-                                </a:rPr>
-                              </m:ctrlPr>
-                            </m:sSubPr>
-                            <m:e>
-                              <m:r>
-                                <a:rPr lang="en-US" b="0" i="1" smtClean="0">
-                                  <a:latin typeface="Cambria Math" panose="02040503050406030204" pitchFamily="18" charset="0"/>
-                                </a:rPr>
-                                <m:t>𝑤</m:t>
-                              </m:r>
-                            </m:e>
-                            <m:sub>
-                              <m:r>
-                                <a:rPr lang="en-US" b="0" i="1" smtClean="0">
-                                  <a:latin typeface="Cambria Math" panose="02040503050406030204" pitchFamily="18" charset="0"/>
-                                </a:rPr>
-                                <m:t>𝑖</m:t>
-                              </m:r>
-                            </m:sub>
-                          </m:sSub>
                           <m:d>
                             <m:dPr>
                               <m:begChr m:val="|"/>
@@ -8114,7 +8070,7 @@
                   <a:rPr lang="en-US" b="1" dirty="0">
                     <a:latin typeface="+mn-lt"/>
                   </a:rPr>
-                  <a:t>Weighted Max</a:t>
+                  <a:t>Max</a:t>
                 </a:r>
                 <a:r>
                   <a:rPr lang="en-US" dirty="0">
@@ -8286,31 +8242,6 @@
                             </a:rPr>
                             <m:t> </m:t>
                           </m:r>
-                          <m:sSub>
-                            <m:sSubPr>
-                              <m:ctrlPr>
-                                <a:rPr lang="en-US" b="0" i="1" smtClean="0">
-                                  <a:latin typeface="Cambria Math" panose="02040503050406030204" pitchFamily="18" charset="0"/>
-                                </a:rPr>
-                              </m:ctrlPr>
-                            </m:sSubPr>
-                            <m:e>
-                              <m:r>
-                                <a:rPr lang="en-US" b="0" i="1" smtClean="0">
-                                  <a:latin typeface="Cambria Math" panose="02040503050406030204" pitchFamily="18" charset="0"/>
-                                </a:rPr>
-                                <m:t>𝑤</m:t>
-                              </m:r>
-                            </m:e>
-                            <m:sub>
-                              <m:r>
-                                <a:rPr lang="en-US" b="0" i="1" smtClean="0">
-                                  <a:latin typeface="Cambria Math" panose="02040503050406030204" pitchFamily="18" charset="0"/>
-                                </a:rPr>
-                                <m:t>𝑖</m:t>
-                              </m:r>
-                            </m:sub>
-                          </m:sSub>
                         </m:fName>
                         <m:e>
                           <m:d>
@@ -8417,7 +8348,7 @@
             </p:txBody>
           </p:sp>
         </mc:Choice>
-        <mc:Fallback xmlns="">
+        <mc:Fallback>
           <p:sp>
             <p:nvSpPr>
               <p:cNvPr id="3" name="Content Placeholder 2"/>
@@ -8436,7 +8367,7 @@
               <a:blipFill>
                 <a:blip r:embed="rId3"/>
                 <a:stretch>
-                  <a:fillRect l="-1111" t="-1818"/>
+                  <a:fillRect l="-1111" t="-1818" r="-317"/>
                 </a:stretch>
               </a:blipFill>
             </p:spPr>
@@ -14945,7 +14876,7 @@
 </file>
 
 <file path=ppt/slides/slide18.xml><?xml version="1.0" encoding="utf-8"?>
-<p:sld xmlns:a="http://schemas.openxmlformats.org/drawingml/2006/main" xmlns:r="http://schemas.openxmlformats.org/officeDocument/2006/relationships" xmlns:p="http://schemas.openxmlformats.org/presentationml/2006/main">
+<p:sld xmlns:a="http://schemas.openxmlformats.org/drawingml/2006/main" xmlns:r="http://schemas.openxmlformats.org/officeDocument/2006/relationships" xmlns:p="http://schemas.openxmlformats.org/presentationml/2006/main" show="0">
   <p:cSld>
     <p:spTree>
       <p:nvGrpSpPr>
@@ -14990,8 +14921,8 @@
           </a:p>
         </p:txBody>
       </p:sp>
-      <mc:AlternateContent xmlns:mc="http://schemas.openxmlformats.org/markup-compatibility/2006">
-        <mc:Choice xmlns:a14="http://schemas.microsoft.com/office/drawing/2010/main" Requires="a14">
+      <mc:AlternateContent xmlns:mc="http://schemas.openxmlformats.org/markup-compatibility/2006" xmlns:a14="http://schemas.microsoft.com/office/drawing/2010/main">
+        <mc:Choice Requires="a14">
           <p:sp>
             <p:nvSpPr>
               <p:cNvPr id="3" name="Content Placeholder 2"/>
@@ -15243,7 +15174,7 @@
             </p:txBody>
           </p:sp>
         </mc:Choice>
-        <mc:Fallback>
+        <mc:Fallback xmlns="">
           <p:sp>
             <p:nvSpPr>
               <p:cNvPr id="3" name="Content Placeholder 2"/>
@@ -16658,7 +16589,7 @@
 </file>
 
 <file path=ppt/slides/slide20.xml><?xml version="1.0" encoding="utf-8"?>
-<p:sld xmlns:a="http://schemas.openxmlformats.org/drawingml/2006/main" xmlns:r="http://schemas.openxmlformats.org/officeDocument/2006/relationships" xmlns:p="http://schemas.openxmlformats.org/presentationml/2006/main">
+<p:sld xmlns:a="http://schemas.openxmlformats.org/drawingml/2006/main" xmlns:r="http://schemas.openxmlformats.org/officeDocument/2006/relationships" xmlns:p="http://schemas.openxmlformats.org/presentationml/2006/main" show="0">
   <p:cSld>
     <p:spTree>
       <p:nvGrpSpPr>
@@ -16703,8 +16634,8 @@
           </a:p>
         </p:txBody>
       </p:sp>
-      <mc:AlternateContent xmlns:mc="http://schemas.openxmlformats.org/markup-compatibility/2006">
-        <mc:Choice xmlns:a14="http://schemas.microsoft.com/office/drawing/2010/main" Requires="a14">
+      <mc:AlternateContent xmlns:mc="http://schemas.openxmlformats.org/markup-compatibility/2006" xmlns:a14="http://schemas.microsoft.com/office/drawing/2010/main">
+        <mc:Choice Requires="a14">
           <p:sp>
             <p:nvSpPr>
               <p:cNvPr id="3" name="Content Placeholder 2"/>
@@ -16904,7 +16835,7 @@
             </p:txBody>
           </p:sp>
         </mc:Choice>
-        <mc:Fallback>
+        <mc:Fallback xmlns="">
           <p:sp>
             <p:nvSpPr>
               <p:cNvPr id="3" name="Content Placeholder 2"/>
@@ -17306,7 +17237,7 @@
 </file>
 
 <file path=ppt/slides/slide21.xml><?xml version="1.0" encoding="utf-8"?>
-<p:sld xmlns:a="http://schemas.openxmlformats.org/drawingml/2006/main" xmlns:r="http://schemas.openxmlformats.org/officeDocument/2006/relationships" xmlns:p="http://schemas.openxmlformats.org/presentationml/2006/main">
+<p:sld xmlns:a="http://schemas.openxmlformats.org/drawingml/2006/main" xmlns:r="http://schemas.openxmlformats.org/officeDocument/2006/relationships" xmlns:p="http://schemas.openxmlformats.org/presentationml/2006/main" show="0">
   <p:cSld>
     <p:spTree>
       <p:nvGrpSpPr>
@@ -24059,8 +23990,8 @@
           </a:p>
         </p:txBody>
       </p:sp>
-      <mc:AlternateContent xmlns:mc="http://schemas.openxmlformats.org/markup-compatibility/2006">
-        <mc:Choice xmlns:a14="http://schemas.microsoft.com/office/drawing/2010/main" Requires="a14">
+      <mc:AlternateContent xmlns:mc="http://schemas.openxmlformats.org/markup-compatibility/2006" xmlns:a14="http://schemas.microsoft.com/office/drawing/2010/main">
+        <mc:Choice Requires="a14">
           <p:sp>
             <p:nvSpPr>
               <p:cNvPr id="3" name="Content Placeholder 2"/>
@@ -24696,7 +24627,7 @@
             </p:txBody>
           </p:sp>
         </mc:Choice>
-        <mc:Fallback>
+        <mc:Fallback xmlns="">
           <p:sp>
             <p:nvSpPr>
               <p:cNvPr id="3" name="Content Placeholder 2"/>
@@ -34548,8 +34479,8 @@
           </a:p>
         </p:txBody>
       </p:sp>
-      <mc:AlternateContent xmlns:mc="http://schemas.openxmlformats.org/markup-compatibility/2006">
-        <mc:Choice xmlns:a14="http://schemas.microsoft.com/office/drawing/2010/main" Requires="a14">
+      <mc:AlternateContent xmlns:mc="http://schemas.openxmlformats.org/markup-compatibility/2006" xmlns:a14="http://schemas.microsoft.com/office/drawing/2010/main">
+        <mc:Choice Requires="a14">
           <p:sp>
             <p:nvSpPr>
               <p:cNvPr id="3" name="Content Placeholder 2"/>
@@ -34793,7 +34724,7 @@
             </p:txBody>
           </p:sp>
         </mc:Choice>
-        <mc:Fallback>
+        <mc:Fallback xmlns="">
           <p:sp>
             <p:nvSpPr>
               <p:cNvPr id="3" name="Content Placeholder 2"/>
@@ -35638,7 +35569,7 @@
 </file>
 
 <file path=ppt/slides/slide38.xml><?xml version="1.0" encoding="utf-8"?>
-<p:sld xmlns:a="http://schemas.openxmlformats.org/drawingml/2006/main" xmlns:r="http://schemas.openxmlformats.org/officeDocument/2006/relationships" xmlns:p="http://schemas.openxmlformats.org/presentationml/2006/main">
+<p:sld xmlns:a="http://schemas.openxmlformats.org/drawingml/2006/main" xmlns:r="http://schemas.openxmlformats.org/officeDocument/2006/relationships" xmlns:p="http://schemas.openxmlformats.org/presentationml/2006/main" show="0">
   <p:cSld>
     <p:spTree>
       <p:nvGrpSpPr>
@@ -36487,7 +36418,7 @@
 </file>
 
 <file path=ppt/slides/slide39.xml><?xml version="1.0" encoding="utf-8"?>
-<p:sld xmlns:a="http://schemas.openxmlformats.org/drawingml/2006/main" xmlns:r="http://schemas.openxmlformats.org/officeDocument/2006/relationships" xmlns:p="http://schemas.openxmlformats.org/presentationml/2006/main">
+<p:sld xmlns:a="http://schemas.openxmlformats.org/drawingml/2006/main" xmlns:r="http://schemas.openxmlformats.org/officeDocument/2006/relationships" xmlns:p="http://schemas.openxmlformats.org/presentationml/2006/main" show="0">
   <p:cSld>
     <p:spTree>
       <p:nvGrpSpPr>
@@ -38092,18 +38023,14 @@
               <a:rPr lang="en-US" dirty="0">
                 <a:latin typeface="+mn-lt"/>
               </a:rPr>
-              <a:t>Can transform from similarity to distance </a:t>
+              <a:t>Can transform from similarity to </a:t>
             </a:r>
-          </a:p>
-          <a:p>
             <a:r>
-              <a:rPr lang="en-US" dirty="0">
+              <a:rPr lang="en-US">
                 <a:latin typeface="+mn-lt"/>
               </a:rPr>
-              <a:t>Sparse graph representation reduces computation and memory use</a:t>
+              <a:t>distance </a:t>
             </a:r>
-          </a:p>
-          <a:p>
             <a:endParaRPr lang="en-US" sz="2800" dirty="0">
               <a:latin typeface="+mn-lt"/>
             </a:endParaRPr>
@@ -39648,8 +39575,8 @@
           </a:p>
         </p:txBody>
       </p:sp>
-      <mc:AlternateContent xmlns:mc="http://schemas.openxmlformats.org/markup-compatibility/2006">
-        <mc:Choice xmlns:a14="http://schemas.microsoft.com/office/drawing/2010/main" Requires="a14">
+      <mc:AlternateContent xmlns:mc="http://schemas.openxmlformats.org/markup-compatibility/2006" xmlns:a14="http://schemas.microsoft.com/office/drawing/2010/main">
+        <mc:Choice Requires="a14">
           <p:sp>
             <p:nvSpPr>
               <p:cNvPr id="3" name="Content Placeholder 2"/>
@@ -40466,7 +40393,7 @@
             </p:txBody>
           </p:sp>
         </mc:Choice>
-        <mc:Fallback>
+        <mc:Fallback xmlns="">
           <p:sp>
             <p:nvSpPr>
               <p:cNvPr id="3" name="Content Placeholder 2"/>
